--- a/발표자료/제안서.pptx
+++ b/발표자료/제안서.pptx
@@ -211,7 +211,7 @@
           <a:p>
             <a:fld id="{381E5D2C-18EE-4886-960D-A5E68894C51A}" type="datetimeFigureOut">
               <a:rPr lang="ko-KR" altLang="en-US" smtClean="0"/>
-              <a:t>2020-12-28</a:t>
+              <a:t>2021-08-16</a:t>
             </a:fld>
             <a:endParaRPr lang="ko-KR" altLang="en-US"/>
           </a:p>
@@ -709,7 +709,7 @@
           <a:p>
             <a:fld id="{1C77736A-3901-47CF-846F-1CF651F9BD02}" type="datetime1">
               <a:rPr lang="ko-KR" altLang="en-US" smtClean="0"/>
-              <a:t>2020-12-28</a:t>
+              <a:t>2021-08-16</a:t>
             </a:fld>
             <a:endParaRPr lang="ko-KR" altLang="en-US"/>
           </a:p>
@@ -907,7 +907,7 @@
           <a:p>
             <a:fld id="{118A239C-8EC1-48A8-9AC1-67DF9C55CD9B}" type="datetime1">
               <a:rPr lang="ko-KR" altLang="en-US" smtClean="0"/>
-              <a:t>2020-12-28</a:t>
+              <a:t>2021-08-16</a:t>
             </a:fld>
             <a:endParaRPr lang="ko-KR" altLang="en-US"/>
           </a:p>
@@ -1115,7 +1115,7 @@
           <a:p>
             <a:fld id="{F08164EA-00B5-4BA8-A85B-12C771127E05}" type="datetime1">
               <a:rPr lang="ko-KR" altLang="en-US" smtClean="0"/>
-              <a:t>2020-12-28</a:t>
+              <a:t>2021-08-16</a:t>
             </a:fld>
             <a:endParaRPr lang="ko-KR" altLang="en-US"/>
           </a:p>
@@ -1313,7 +1313,7 @@
           <a:p>
             <a:fld id="{9252E96A-D7B4-48B6-85A1-005B3D690D17}" type="datetime1">
               <a:rPr lang="ko-KR" altLang="en-US" smtClean="0"/>
-              <a:t>2020-12-28</a:t>
+              <a:t>2021-08-16</a:t>
             </a:fld>
             <a:endParaRPr lang="ko-KR" altLang="en-US"/>
           </a:p>
@@ -1588,7 +1588,7 @@
           <a:p>
             <a:fld id="{95FDF019-E7FF-418F-B016-C22EFD9FD3BC}" type="datetime1">
               <a:rPr lang="ko-KR" altLang="en-US" smtClean="0"/>
-              <a:t>2020-12-28</a:t>
+              <a:t>2021-08-16</a:t>
             </a:fld>
             <a:endParaRPr lang="ko-KR" altLang="en-US"/>
           </a:p>
@@ -1853,7 +1853,7 @@
           <a:p>
             <a:fld id="{3577250D-6C06-4EBB-AE66-C6CADCAA671B}" type="datetime1">
               <a:rPr lang="ko-KR" altLang="en-US" smtClean="0"/>
-              <a:t>2020-12-28</a:t>
+              <a:t>2021-08-16</a:t>
             </a:fld>
             <a:endParaRPr lang="ko-KR" altLang="en-US"/>
           </a:p>
@@ -2265,7 +2265,7 @@
           <a:p>
             <a:fld id="{DE21BD55-51AF-404F-8099-0EEDCC21B7EB}" type="datetime1">
               <a:rPr lang="ko-KR" altLang="en-US" smtClean="0"/>
-              <a:t>2020-12-28</a:t>
+              <a:t>2021-08-16</a:t>
             </a:fld>
             <a:endParaRPr lang="ko-KR" altLang="en-US"/>
           </a:p>
@@ -2406,7 +2406,7 @@
           <a:p>
             <a:fld id="{B64EF1C4-AC3F-4E60-A3FC-FC6CB5D5D252}" type="datetime1">
               <a:rPr lang="ko-KR" altLang="en-US" smtClean="0"/>
-              <a:t>2020-12-28</a:t>
+              <a:t>2021-08-16</a:t>
             </a:fld>
             <a:endParaRPr lang="ko-KR" altLang="en-US"/>
           </a:p>
@@ -2519,7 +2519,7 @@
           <a:p>
             <a:fld id="{2C8B82A7-AEF0-47B2-A75E-54042D33C31F}" type="datetime1">
               <a:rPr lang="ko-KR" altLang="en-US" smtClean="0"/>
-              <a:t>2020-12-28</a:t>
+              <a:t>2021-08-16</a:t>
             </a:fld>
             <a:endParaRPr lang="ko-KR" altLang="en-US"/>
           </a:p>
@@ -2830,7 +2830,7 @@
           <a:p>
             <a:fld id="{7626A74C-3833-41CA-87BC-553F7A9F024A}" type="datetime1">
               <a:rPr lang="ko-KR" altLang="en-US" smtClean="0"/>
-              <a:t>2020-12-28</a:t>
+              <a:t>2021-08-16</a:t>
             </a:fld>
             <a:endParaRPr lang="ko-KR" altLang="en-US"/>
           </a:p>
@@ -3118,7 +3118,7 @@
           <a:p>
             <a:fld id="{D60CC185-058D-4D30-BB76-4F560E51D3F2}" type="datetime1">
               <a:rPr lang="ko-KR" altLang="en-US" smtClean="0"/>
-              <a:t>2020-12-28</a:t>
+              <a:t>2021-08-16</a:t>
             </a:fld>
             <a:endParaRPr lang="ko-KR" altLang="en-US"/>
           </a:p>
@@ -3365,7 +3365,7 @@
           <a:p>
             <a:fld id="{8277E50C-2C32-43F1-96DE-3AE1ED496252}" type="datetime1">
               <a:rPr lang="ko-KR" altLang="en-US" smtClean="0"/>
-              <a:t>2020-12-28</a:t>
+              <a:t>2021-08-16</a:t>
             </a:fld>
             <a:endParaRPr lang="ko-KR" altLang="en-US"/>
           </a:p>
